--- a/LeekHarvester.pptx
+++ b/LeekHarvester.pptx
@@ -21801,7 +21801,7 @@
       </p:sp>
       <p:pic>
         <p:nvPicPr>
-          <p:cNvPr id="3" name="图片 2"/>
+          <p:cNvPr id="4" name="图片 3"/>
           <p:cNvPicPr>
             <a:picLocks noChangeAspect="1"/>
           </p:cNvPicPr>
@@ -21819,8 +21819,8 @@
         </p:blipFill>
         <p:spPr>
           <a:xfrm>
-            <a:off x="4286250" y="382270"/>
-            <a:ext cx="6544310" cy="6092825"/>
+            <a:off x="4737100" y="172085"/>
+            <a:ext cx="5901055" cy="6514465"/>
           </a:xfrm>
           <a:prstGeom prst="rect">
             <a:avLst/>
@@ -33133,6 +33133,7 @@
   <p:tag name="KSO_WM_TEMPLATE_INDEX" val="20204537"/>
   <p:tag name="KSO_WM_SLIDE_LAYOUT" val="a_b"/>
   <p:tag name="KSO_WM_SLIDE_LAYOUT_CNT" val="1_3"/>
+  <p:tag name="KSO_WM_SPECIAL_SOURCE" val="bdnull"/>
 </p:tagLst>
 </file>
 
@@ -33538,6 +33539,7 @@
   <p:tag name="KSO_WM_TEMPLATE_INDEX" val="20204537"/>
   <p:tag name="KSO_WM_SLIDE_LAYOUT" val="a_b_l"/>
   <p:tag name="KSO_WM_SLIDE_LAYOUT_CNT" val="1_1_1"/>
+  <p:tag name="KSO_WM_SPECIAL_SOURCE" val="bdnull"/>
 </p:tagLst>
 </file>
 
@@ -34021,6 +34023,7 @@
   <p:tag name="KSO_WM_TEMPLATE_INDEX" val="20204537"/>
   <p:tag name="KSO_WM_SLIDE_LAYOUT" val="a_i_l"/>
   <p:tag name="KSO_WM_SLIDE_LAYOUT_CNT" val="1_1_1"/>
+  <p:tag name="KSO_WM_SPECIAL_SOURCE" val="bdnull"/>
 </p:tagLst>
 </file>
 
@@ -34729,6 +34732,7 @@
   <p:tag name="KSO_WM_TEMPLATE_INDEX" val="20204537"/>
   <p:tag name="KSO_WM_SLIDE_LAYOUT" val="a_i_q"/>
   <p:tag name="KSO_WM_SLIDE_LAYOUT_CNT" val="1_1_1"/>
+  <p:tag name="KSO_WM_SPECIAL_SOURCE" val="bdnull"/>
 </p:tagLst>
 </file>
 
@@ -34778,6 +34782,7 @@
   <p:tag name="KSO_WM_BEAUTIFY_FLAG" val="#wm#"/>
   <p:tag name="KSO_WM_TEMPLATE_CATEGORY" val="custom"/>
   <p:tag name="KSO_WM_TEMPLATE_INDEX" val="20204537"/>
+  <p:tag name="KSO_WM_SPECIAL_SOURCE" val="bdnull"/>
 </p:tagLst>
 </file>
 
@@ -34814,6 +34819,7 @@
   <p:tag name="KSO_WM_BEAUTIFY_FLAG" val="#wm#"/>
   <p:tag name="KSO_WM_TEMPLATE_CATEGORY" val="custom"/>
   <p:tag name="KSO_WM_TEMPLATE_INDEX" val="20204537"/>
+  <p:tag name="KSO_WM_SPECIAL_SOURCE" val="bdnull"/>
 </p:tagLst>
 </file>
 
@@ -34863,6 +34869,7 @@
   <p:tag name="KSO_WM_BEAUTIFY_FLAG" val="#wm#"/>
   <p:tag name="KSO_WM_TEMPLATE_CATEGORY" val="custom"/>
   <p:tag name="KSO_WM_TEMPLATE_INDEX" val="20204537"/>
+  <p:tag name="KSO_WM_SPECIAL_SOURCE" val="bdnull"/>
 </p:tagLst>
 </file>
 
@@ -34885,6 +34892,7 @@
   <p:tag name="KSO_WM_BEAUTIFY_FLAG" val="#wm#"/>
   <p:tag name="KSO_WM_TEMPLATE_CATEGORY" val="custom"/>
   <p:tag name="KSO_WM_TEMPLATE_INDEX" val="20204537"/>
+  <p:tag name="KSO_WM_SPECIAL_SOURCE" val="bdnull"/>
 </p:tagLst>
 </file>
 
@@ -35174,6 +35182,7 @@
   <p:tag name="KSO_WM_TEMPLATE_INDEX" val="20204537"/>
   <p:tag name="KSO_WM_SLIDE_LAYOUT" val="a_i_q"/>
   <p:tag name="KSO_WM_SLIDE_LAYOUT_CNT" val="1_1_1"/>
+  <p:tag name="KSO_WM_SPECIAL_SOURCE" val="bdnull"/>
 </p:tagLst>
 </file>
 
@@ -35223,6 +35232,7 @@
   <p:tag name="KSO_WM_BEAUTIFY_FLAG" val="#wm#"/>
   <p:tag name="KSO_WM_TEMPLATE_CATEGORY" val="custom"/>
   <p:tag name="KSO_WM_TEMPLATE_INDEX" val="20204537"/>
+  <p:tag name="KSO_WM_SPECIAL_SOURCE" val="bdnull"/>
 </p:tagLst>
 </file>
 
@@ -35251,6 +35261,7 @@
   <p:tag name="KSO_WM_BEAUTIFY_FLAG" val="#wm#"/>
   <p:tag name="KSO_WM_TEMPLATE_CATEGORY" val="custom"/>
   <p:tag name="KSO_WM_TEMPLATE_INDEX" val="20204537"/>
+  <p:tag name="KSO_WM_SPECIAL_SOURCE" val="bdnull"/>
 </p:tagLst>
 </file>
 
@@ -35259,6 +35270,7 @@
   <p:tag name="KSO_WM_BEAUTIFY_FLAG" val="#wm#"/>
   <p:tag name="KSO_WM_TEMPLATE_CATEGORY" val="custom"/>
   <p:tag name="KSO_WM_TEMPLATE_INDEX" val="20204537"/>
+  <p:tag name="KSO_WM_SPECIAL_SOURCE" val="bdnull"/>
 </p:tagLst>
 </file>
 
@@ -35420,6 +35432,7 @@
   <p:tag name="KSO_WM_TEMPLATE_INDEX" val="20204537"/>
   <p:tag name="KSO_WM_SLIDE_LAYOUT" val="a_f_i"/>
   <p:tag name="KSO_WM_SLIDE_LAYOUT_CNT" val="1_1_1"/>
+  <p:tag name="KSO_WM_SPECIAL_SOURCE" val="bdnull"/>
 </p:tagLst>
 </file>
 
